--- a/Presentation1.pptx
+++ b/Presentation1.pptx
@@ -108,6 +108,11 @@
       </a:defRPr>
     </a:lvl9pPr>
   </p:defaultTextStyle>
+  <p:extLst>
+    <p:ext uri="{EFAFB233-063F-42B5-8137-9DF3F51BA10A}">
+      <p15:sldGuideLst xmlns:p15="http://schemas.microsoft.com/office/powerpoint/2012/main"/>
+    </p:ext>
+  </p:extLst>
 </p:presentation>
 </file>
 
@@ -4807,31 +4812,41 @@
           </a:p>
         </p:txBody>
       </p:sp>
-      <p:sp>
-        <p:nvSpPr>
-          <p:cNvPr id="3" name="Content Placeholder 2">
-            <a:extLst>
-              <a:ext uri="{FF2B5EF4-FFF2-40B4-BE49-F238E27FC236}">
-                <a16:creationId xmlns:a16="http://schemas.microsoft.com/office/drawing/2014/main" id="{D2428C94-E3F1-14BC-49CD-C1950CAA7BB7}"/>
-              </a:ext>
-            </a:extLst>
-          </p:cNvPr>
-          <p:cNvSpPr>
-            <a:spLocks noGrp="1"/>
-          </p:cNvSpPr>
+      <p:pic>
+        <p:nvPicPr>
+          <p:cNvPr id="5" name="Content Placeholder 4" descr="Diagram&#10;&#10;Description automatically generated">
+            <a:extLst>
+              <a:ext uri="{FF2B5EF4-FFF2-40B4-BE49-F238E27FC236}">
+                <a16:creationId xmlns:a16="http://schemas.microsoft.com/office/drawing/2014/main" id="{47D69C6D-3975-035C-F637-F02F8CE8DE4E}"/>
+              </a:ext>
+            </a:extLst>
+          </p:cNvPr>
+          <p:cNvPicPr>
+            <a:picLocks noGrp="1" noChangeAspect="1"/>
+          </p:cNvPicPr>
           <p:nvPr>
             <p:ph idx="1"/>
           </p:nvPr>
-        </p:nvSpPr>
-        <p:spPr/>
-        <p:txBody>
-          <a:bodyPr/>
-          <a:lstStyle/>
-          <a:p>
-            <a:endParaRPr lang="en-AU"/>
-          </a:p>
-        </p:txBody>
-      </p:sp>
+        </p:nvPicPr>
+        <p:blipFill>
+          <a:blip r:embed="rId2">
+            <a:extLst>
+              <a:ext uri="{28A0092B-C50C-407E-A947-70E740481C1C}">
+                <a14:useLocalDpi xmlns:a14="http://schemas.microsoft.com/office/drawing/2010/main" val="0"/>
+              </a:ext>
+            </a:extLst>
+          </a:blip>
+          <a:stretch>
+            <a:fillRect/>
+          </a:stretch>
+        </p:blipFill>
+        <p:spPr>
+          <a:xfrm>
+            <a:off x="65314" y="25291"/>
+            <a:ext cx="12213771" cy="6832709"/>
+          </a:xfrm>
+        </p:spPr>
+      </p:pic>
     </p:spTree>
     <p:extLst>
       <p:ext uri="{BB962C8B-B14F-4D97-AF65-F5344CB8AC3E}">

--- a/Presentation1.pptx
+++ b/Presentation1.pptx
@@ -4640,7 +4640,10 @@
           </a:bodyPr>
           <a:lstStyle/>
           <a:p>
-            <a:endParaRPr lang="en-AU"/>
+            <a:r>
+              <a:rPr lang="en-AU" dirty="0"/>
+              <a:t>Elevator UML</a:t>
+            </a:r>
           </a:p>
         </p:txBody>
       </p:sp>
@@ -4663,7 +4666,7 @@
         <p:spPr>
           <a:xfrm>
             <a:off x="8208006" y="4113213"/>
-            <a:ext cx="2988000" cy="1655762"/>
+            <a:ext cx="2988000" cy="1251889"/>
           </a:xfrm>
         </p:spPr>
         <p:txBody>
@@ -4672,7 +4675,10 @@
           </a:bodyPr>
           <a:lstStyle/>
           <a:p>
-            <a:endParaRPr lang="en-AU"/>
+            <a:r>
+              <a:rPr lang="en-AU" sz="1400" dirty="0"/>
+              <a:t>By the us</a:t>
+            </a:r>
           </a:p>
         </p:txBody>
       </p:sp>

--- a/Presentation1.pptx
+++ b/Presentation1.pptx
@@ -4984,7 +4984,15 @@
           <a:bodyPr/>
           <a:lstStyle/>
           <a:p>
-            <a:endParaRPr lang="en-AU"/>
+            <a:r>
+              <a:rPr lang="en-AU" dirty="0"/>
+              <a:t>The </a:t>
+            </a:r>
+            <a:r>
+              <a:rPr lang="en-AU"/>
+              <a:t>safety features</a:t>
+            </a:r>
+            <a:endParaRPr lang="en-AU" dirty="0"/>
           </a:p>
         </p:txBody>
       </p:sp>
@@ -5009,7 +5017,57 @@
           <a:bodyPr/>
           <a:lstStyle/>
           <a:p>
-            <a:endParaRPr lang="en-AU"/>
+            <a:r>
+              <a:rPr lang="en-NZ" dirty="0"/>
+              <a:t>The safety features involved in making a lift operate safely are extremely important. When looking at the parts involved in it we had taken the assumption that they typically will work of some sort of Boolean methods.</a:t>
+            </a:r>
+          </a:p>
+          <a:p>
+            <a:pPr marL="0" indent="0">
+              <a:buNone/>
+            </a:pPr>
+            <a:r>
+              <a:rPr lang="en-NZ" dirty="0"/>
+              <a:t>   This is because it includes things like door sensors and the door being                         </a:t>
+            </a:r>
+          </a:p>
+          <a:p>
+            <a:pPr marL="0" indent="0">
+              <a:buNone/>
+            </a:pPr>
+            <a:r>
+              <a:rPr lang="en-NZ" dirty="0"/>
+              <a:t>   closed, restraints and locks and the elevator will only be calling to the </a:t>
+            </a:r>
+          </a:p>
+          <a:p>
+            <a:pPr marL="0" indent="0">
+              <a:buNone/>
+            </a:pPr>
+            <a:r>
+              <a:rPr lang="en-NZ" dirty="0"/>
+              <a:t>   things that involve moving and some other features that will only be </a:t>
+            </a:r>
+          </a:p>
+          <a:p>
+            <a:pPr marL="0" indent="0">
+              <a:buNone/>
+            </a:pPr>
+            <a:r>
+              <a:rPr lang="en-NZ" dirty="0"/>
+              <a:t>   able activate while many of the safety features </a:t>
+            </a:r>
+            <a:r>
+              <a:rPr lang="en-NZ" dirty="0" err="1"/>
+              <a:t>arnt</a:t>
+            </a:r>
+            <a:r>
+              <a:rPr lang="en-NZ" dirty="0"/>
+              <a:t> active.</a:t>
+            </a:r>
+          </a:p>
+          <a:p>
+            <a:endParaRPr lang="en-AU" dirty="0"/>
           </a:p>
         </p:txBody>
       </p:sp>

--- a/Presentation1.pptx
+++ b/Presentation1.pptx
@@ -10,6 +10,8 @@
     <p:sldId id="258" r:id="rId4"/>
     <p:sldId id="259" r:id="rId5"/>
     <p:sldId id="260" r:id="rId6"/>
+    <p:sldId id="261" r:id="rId7"/>
+    <p:sldId id="262" r:id="rId8"/>
   </p:sldIdLst>
   <p:sldSz cx="12192000" cy="6858000"/>
   <p:notesSz cx="6858000" cy="9144000"/>
@@ -4904,35 +4906,62 @@
           <a:bodyPr/>
           <a:lstStyle/>
           <a:p>
-            <a:endParaRPr lang="en-AU"/>
-          </a:p>
-        </p:txBody>
-      </p:sp>
-      <p:sp>
-        <p:nvSpPr>
-          <p:cNvPr id="3" name="Content Placeholder 2">
-            <a:extLst>
-              <a:ext uri="{FF2B5EF4-FFF2-40B4-BE49-F238E27FC236}">
-                <a16:creationId xmlns:a16="http://schemas.microsoft.com/office/drawing/2014/main" id="{81771CA8-64E5-62D4-5380-A01D8090ED34}"/>
-              </a:ext>
-            </a:extLst>
-          </p:cNvPr>
-          <p:cNvSpPr>
-            <a:spLocks noGrp="1"/>
-          </p:cNvSpPr>
+            <a:r>
+              <a:rPr lang="en-AU" dirty="0"/>
+              <a:t>The Lift Class </a:t>
+            </a:r>
+          </a:p>
+        </p:txBody>
+      </p:sp>
+      <p:pic>
+        <p:nvPicPr>
+          <p:cNvPr id="1026" name="Picture 2" descr="The New York high life has given me a new fear – of elevators | Emma  Brockes | The Guardian">
+            <a:extLst>
+              <a:ext uri="{FF2B5EF4-FFF2-40B4-BE49-F238E27FC236}">
+                <a16:creationId xmlns:a16="http://schemas.microsoft.com/office/drawing/2014/main" id="{3578B7BC-A2CB-D274-BB27-223CC5B1FA55}"/>
+              </a:ext>
+            </a:extLst>
+          </p:cNvPr>
+          <p:cNvPicPr>
+            <a:picLocks noGrp="1" noChangeAspect="1" noChangeArrowheads="1"/>
+          </p:cNvPicPr>
           <p:nvPr>
             <p:ph idx="1"/>
           </p:nvPr>
-        </p:nvSpPr>
-        <p:spPr/>
-        <p:txBody>
-          <a:bodyPr/>
-          <a:lstStyle/>
-          <a:p>
-            <a:endParaRPr lang="en-AU"/>
-          </a:p>
-        </p:txBody>
-      </p:sp>
+        </p:nvPicPr>
+        <p:blipFill>
+          <a:blip r:embed="rId2">
+            <a:extLst>
+              <a:ext uri="{28A0092B-C50C-407E-A947-70E740481C1C}">
+                <a14:useLocalDpi xmlns:a14="http://schemas.microsoft.com/office/drawing/2010/main" val="0"/>
+              </a:ext>
+            </a:extLst>
+          </a:blip>
+          <a:srcRect/>
+          <a:stretch>
+            <a:fillRect/>
+          </a:stretch>
+        </p:blipFill>
+        <p:spPr bwMode="auto">
+          <a:xfrm>
+            <a:off x="6005805" y="0"/>
+            <a:ext cx="6186196" cy="6858000"/>
+          </a:xfrm>
+          <a:prstGeom prst="rect">
+            <a:avLst/>
+          </a:prstGeom>
+          <a:noFill/>
+          <a:extLst>
+            <a:ext uri="{909E8E84-426E-40DD-AFC4-6F175D3DCCD1}">
+              <a14:hiddenFill xmlns:a14="http://schemas.microsoft.com/office/drawing/2010/main">
+                <a:solidFill>
+                  <a:srgbClr val="FFFFFF"/>
+                </a:solidFill>
+              </a14:hiddenFill>
+            </a:ext>
+          </a:extLst>
+        </p:spPr>
+      </p:pic>
     </p:spTree>
     <p:extLst>
       <p:ext uri="{BB962C8B-B14F-4D97-AF65-F5344CB8AC3E}">
@@ -4984,35 +5013,62 @@
           <a:bodyPr/>
           <a:lstStyle/>
           <a:p>
-            <a:endParaRPr lang="en-AU"/>
-          </a:p>
-        </p:txBody>
-      </p:sp>
-      <p:sp>
-        <p:nvSpPr>
-          <p:cNvPr id="3" name="Content Placeholder 2">
-            <a:extLst>
-              <a:ext uri="{FF2B5EF4-FFF2-40B4-BE49-F238E27FC236}">
-                <a16:creationId xmlns:a16="http://schemas.microsoft.com/office/drawing/2014/main" id="{BC3C3FB3-EA61-C188-CB68-26A5DEA338BB}"/>
-              </a:ext>
-            </a:extLst>
-          </p:cNvPr>
-          <p:cNvSpPr>
-            <a:spLocks noGrp="1"/>
-          </p:cNvSpPr>
+            <a:r>
+              <a:rPr lang="en-AU" dirty="0"/>
+              <a:t>The Safety Features Class</a:t>
+            </a:r>
+          </a:p>
+        </p:txBody>
+      </p:sp>
+      <p:pic>
+        <p:nvPicPr>
+          <p:cNvPr id="2050" name="Picture 2" descr="How Many Post-Pandemic Office Workers Can Fit in One Elevator? - Propmodo">
+            <a:extLst>
+              <a:ext uri="{FF2B5EF4-FFF2-40B4-BE49-F238E27FC236}">
+                <a16:creationId xmlns:a16="http://schemas.microsoft.com/office/drawing/2014/main" id="{38600C59-01B9-AA06-DA15-EA581F297F71}"/>
+              </a:ext>
+            </a:extLst>
+          </p:cNvPr>
+          <p:cNvPicPr>
+            <a:picLocks noGrp="1" noChangeAspect="1" noChangeArrowheads="1"/>
+          </p:cNvPicPr>
           <p:nvPr>
             <p:ph idx="1"/>
           </p:nvPr>
-        </p:nvSpPr>
-        <p:spPr/>
-        <p:txBody>
-          <a:bodyPr/>
-          <a:lstStyle/>
-          <a:p>
-            <a:endParaRPr lang="en-AU"/>
-          </a:p>
-        </p:txBody>
-      </p:sp>
+        </p:nvPicPr>
+        <p:blipFill>
+          <a:blip r:embed="rId2">
+            <a:extLst>
+              <a:ext uri="{28A0092B-C50C-407E-A947-70E740481C1C}">
+                <a14:useLocalDpi xmlns:a14="http://schemas.microsoft.com/office/drawing/2010/main" val="0"/>
+              </a:ext>
+            </a:extLst>
+          </a:blip>
+          <a:srcRect/>
+          <a:stretch>
+            <a:fillRect/>
+          </a:stretch>
+        </p:blipFill>
+        <p:spPr bwMode="auto">
+          <a:xfrm>
+            <a:off x="6096001" y="0"/>
+            <a:ext cx="6096000" cy="6858000"/>
+          </a:xfrm>
+          <a:prstGeom prst="rect">
+            <a:avLst/>
+          </a:prstGeom>
+          <a:noFill/>
+          <a:extLst>
+            <a:ext uri="{909E8E84-426E-40DD-AFC4-6F175D3DCCD1}">
+              <a14:hiddenFill xmlns:a14="http://schemas.microsoft.com/office/drawing/2010/main">
+                <a:solidFill>
+                  <a:srgbClr val="FFFFFF"/>
+                </a:solidFill>
+              </a14:hiddenFill>
+            </a:ext>
+          </a:extLst>
+        </p:spPr>
+      </p:pic>
     </p:spTree>
     <p:extLst>
       <p:ext uri="{BB962C8B-B14F-4D97-AF65-F5344CB8AC3E}">
@@ -5064,39 +5120,326 @@
           <a:bodyPr/>
           <a:lstStyle/>
           <a:p>
+            <a:r>
+              <a:rPr lang="en-AU" dirty="0"/>
+              <a:t>The Extra Features Class</a:t>
+            </a:r>
+          </a:p>
+        </p:txBody>
+      </p:sp>
+      <p:sp>
+        <p:nvSpPr>
+          <p:cNvPr id="3" name="Content Placeholder 2">
+            <a:extLst>
+              <a:ext uri="{FF2B5EF4-FFF2-40B4-BE49-F238E27FC236}">
+                <a16:creationId xmlns:a16="http://schemas.microsoft.com/office/drawing/2014/main" id="{9537B092-3D1A-B029-089C-BBCE4171FD60}"/>
+              </a:ext>
+            </a:extLst>
+          </p:cNvPr>
+          <p:cNvSpPr>
+            <a:spLocks noGrp="1"/>
+          </p:cNvSpPr>
+          <p:nvPr>
+            <p:ph idx="1"/>
+          </p:nvPr>
+        </p:nvSpPr>
+        <p:spPr/>
+        <p:txBody>
+          <a:bodyPr/>
+          <a:lstStyle/>
+          <a:p>
             <a:endParaRPr lang="en-AU"/>
           </a:p>
         </p:txBody>
       </p:sp>
-      <p:sp>
-        <p:nvSpPr>
-          <p:cNvPr id="3" name="Content Placeholder 2">
-            <a:extLst>
-              <a:ext uri="{FF2B5EF4-FFF2-40B4-BE49-F238E27FC236}">
-                <a16:creationId xmlns:a16="http://schemas.microsoft.com/office/drawing/2014/main" id="{9537B092-3D1A-B029-089C-BBCE4171FD60}"/>
-              </a:ext>
-            </a:extLst>
-          </p:cNvPr>
-          <p:cNvSpPr>
-            <a:spLocks noGrp="1"/>
-          </p:cNvSpPr>
-          <p:nvPr>
-            <p:ph idx="1"/>
-          </p:nvPr>
-        </p:nvSpPr>
-        <p:spPr/>
-        <p:txBody>
-          <a:bodyPr/>
-          <a:lstStyle/>
-          <a:p>
-            <a:endParaRPr lang="en-AU"/>
-          </a:p>
-        </p:txBody>
-      </p:sp>
+      <p:pic>
+        <p:nvPicPr>
+          <p:cNvPr id="3074" name="Picture 2" descr="Realistic Elevator Cabin With Closed Doors Inside Stock Illustration -  Download Image Now - Elevator, Indoors, Inside Of - iStock">
+            <a:extLst>
+              <a:ext uri="{FF2B5EF4-FFF2-40B4-BE49-F238E27FC236}">
+                <a16:creationId xmlns:a16="http://schemas.microsoft.com/office/drawing/2014/main" id="{FD7C35FF-3CC5-35A0-93E7-FAECBD6A1DDA}"/>
+              </a:ext>
+            </a:extLst>
+          </p:cNvPr>
+          <p:cNvPicPr>
+            <a:picLocks noChangeAspect="1" noChangeArrowheads="1"/>
+          </p:cNvPicPr>
+          <p:nvPr/>
+        </p:nvPicPr>
+        <p:blipFill>
+          <a:blip r:embed="rId2">
+            <a:extLst>
+              <a:ext uri="{28A0092B-C50C-407E-A947-70E740481C1C}">
+                <a14:useLocalDpi xmlns:a14="http://schemas.microsoft.com/office/drawing/2010/main" val="0"/>
+              </a:ext>
+            </a:extLst>
+          </a:blip>
+          <a:srcRect/>
+          <a:stretch>
+            <a:fillRect/>
+          </a:stretch>
+        </p:blipFill>
+        <p:spPr bwMode="auto">
+          <a:xfrm>
+            <a:off x="6522099" y="0"/>
+            <a:ext cx="5669902" cy="6858000"/>
+          </a:xfrm>
+          <a:prstGeom prst="rect">
+            <a:avLst/>
+          </a:prstGeom>
+          <a:noFill/>
+          <a:extLst>
+            <a:ext uri="{909E8E84-426E-40DD-AFC4-6F175D3DCCD1}">
+              <a14:hiddenFill xmlns:a14="http://schemas.microsoft.com/office/drawing/2010/main">
+                <a:solidFill>
+                  <a:srgbClr val="FFFFFF"/>
+                </a:solidFill>
+              </a14:hiddenFill>
+            </a:ext>
+          </a:extLst>
+        </p:spPr>
+      </p:pic>
     </p:spTree>
     <p:extLst>
       <p:ext uri="{BB962C8B-B14F-4D97-AF65-F5344CB8AC3E}">
         <p14:creationId xmlns:p14="http://schemas.microsoft.com/office/powerpoint/2010/main" val="4228371866"/>
+      </p:ext>
+    </p:extLst>
+  </p:cSld>
+  <p:clrMapOvr>
+    <a:masterClrMapping/>
+  </p:clrMapOvr>
+</p:sld>
+</file>
+
+<file path=ppt/slides/slide6.xml><?xml version="1.0" encoding="utf-8"?>
+<p:sld xmlns:a="http://schemas.openxmlformats.org/drawingml/2006/main" xmlns:r="http://schemas.openxmlformats.org/officeDocument/2006/relationships" xmlns:p="http://schemas.openxmlformats.org/presentationml/2006/main">
+  <p:cSld>
+    <p:spTree>
+      <p:nvGrpSpPr>
+        <p:cNvPr id="1" name=""/>
+        <p:cNvGrpSpPr/>
+        <p:nvPr/>
+      </p:nvGrpSpPr>
+      <p:grpSpPr>
+        <a:xfrm>
+          <a:off x="0" y="0"/>
+          <a:ext cx="0" cy="0"/>
+          <a:chOff x="0" y="0"/>
+          <a:chExt cx="0" cy="0"/>
+        </a:xfrm>
+      </p:grpSpPr>
+      <p:sp>
+        <p:nvSpPr>
+          <p:cNvPr id="2" name="Title 1">
+            <a:extLst>
+              <a:ext uri="{FF2B5EF4-FFF2-40B4-BE49-F238E27FC236}">
+                <a16:creationId xmlns:a16="http://schemas.microsoft.com/office/drawing/2014/main" id="{14857E72-9790-F652-C42F-41A4D294A709}"/>
+              </a:ext>
+            </a:extLst>
+          </p:cNvPr>
+          <p:cNvSpPr>
+            <a:spLocks noGrp="1"/>
+          </p:cNvSpPr>
+          <p:nvPr>
+            <p:ph type="title"/>
+          </p:nvPr>
+        </p:nvSpPr>
+        <p:spPr/>
+        <p:txBody>
+          <a:bodyPr/>
+          <a:lstStyle/>
+          <a:p>
+            <a:r>
+              <a:rPr lang="en-AU" dirty="0"/>
+              <a:t>The Control Panel Class</a:t>
+            </a:r>
+          </a:p>
+        </p:txBody>
+      </p:sp>
+      <p:sp>
+        <p:nvSpPr>
+          <p:cNvPr id="3" name="Content Placeholder 2">
+            <a:extLst>
+              <a:ext uri="{FF2B5EF4-FFF2-40B4-BE49-F238E27FC236}">
+                <a16:creationId xmlns:a16="http://schemas.microsoft.com/office/drawing/2014/main" id="{E65D6727-B2AC-C93B-8E1C-FFDAF36DB196}"/>
+              </a:ext>
+            </a:extLst>
+          </p:cNvPr>
+          <p:cNvSpPr>
+            <a:spLocks noGrp="1"/>
+          </p:cNvSpPr>
+          <p:nvPr>
+            <p:ph idx="1"/>
+          </p:nvPr>
+        </p:nvSpPr>
+        <p:spPr/>
+        <p:txBody>
+          <a:bodyPr/>
+          <a:lstStyle/>
+          <a:p>
+            <a:endParaRPr lang="en-AU" dirty="0"/>
+          </a:p>
+        </p:txBody>
+      </p:sp>
+      <p:pic>
+        <p:nvPicPr>
+          <p:cNvPr id="4098" name="Picture 2" descr="Elevator screens - XPO Screens">
+            <a:extLst>
+              <a:ext uri="{FF2B5EF4-FFF2-40B4-BE49-F238E27FC236}">
+                <a16:creationId xmlns:a16="http://schemas.microsoft.com/office/drawing/2014/main" id="{73226A17-BFC3-452A-4F80-0A8A575F99CE}"/>
+              </a:ext>
+            </a:extLst>
+          </p:cNvPr>
+          <p:cNvPicPr>
+            <a:picLocks noChangeAspect="1" noChangeArrowheads="1"/>
+          </p:cNvPicPr>
+          <p:nvPr/>
+        </p:nvPicPr>
+        <p:blipFill>
+          <a:blip r:embed="rId2">
+            <a:extLst>
+              <a:ext uri="{28A0092B-C50C-407E-A947-70E740481C1C}">
+                <a14:useLocalDpi xmlns:a14="http://schemas.microsoft.com/office/drawing/2010/main" val="0"/>
+              </a:ext>
+            </a:extLst>
+          </a:blip>
+          <a:srcRect/>
+          <a:stretch>
+            <a:fillRect/>
+          </a:stretch>
+        </p:blipFill>
+        <p:spPr bwMode="auto">
+          <a:xfrm>
+            <a:off x="6438122" y="-92076"/>
+            <a:ext cx="5753878" cy="6950075"/>
+          </a:xfrm>
+          <a:prstGeom prst="rect">
+            <a:avLst/>
+          </a:prstGeom>
+          <a:noFill/>
+          <a:extLst>
+            <a:ext uri="{909E8E84-426E-40DD-AFC4-6F175D3DCCD1}">
+              <a14:hiddenFill xmlns:a14="http://schemas.microsoft.com/office/drawing/2010/main">
+                <a:solidFill>
+                  <a:srgbClr val="FFFFFF"/>
+                </a:solidFill>
+              </a14:hiddenFill>
+            </a:ext>
+          </a:extLst>
+        </p:spPr>
+      </p:pic>
+    </p:spTree>
+    <p:extLst>
+      <p:ext uri="{BB962C8B-B14F-4D97-AF65-F5344CB8AC3E}">
+        <p14:creationId xmlns:p14="http://schemas.microsoft.com/office/powerpoint/2010/main" val="2762861973"/>
+      </p:ext>
+    </p:extLst>
+  </p:cSld>
+  <p:clrMapOvr>
+    <a:masterClrMapping/>
+  </p:clrMapOvr>
+</p:sld>
+</file>
+
+<file path=ppt/slides/slide7.xml><?xml version="1.0" encoding="utf-8"?>
+<p:sld xmlns:a="http://schemas.openxmlformats.org/drawingml/2006/main" xmlns:r="http://schemas.openxmlformats.org/officeDocument/2006/relationships" xmlns:p="http://schemas.openxmlformats.org/presentationml/2006/main">
+  <p:cSld>
+    <p:spTree>
+      <p:nvGrpSpPr>
+        <p:cNvPr id="1" name=""/>
+        <p:cNvGrpSpPr/>
+        <p:nvPr/>
+      </p:nvGrpSpPr>
+      <p:grpSpPr>
+        <a:xfrm>
+          <a:off x="0" y="0"/>
+          <a:ext cx="0" cy="0"/>
+          <a:chOff x="0" y="0"/>
+          <a:chExt cx="0" cy="0"/>
+        </a:xfrm>
+      </p:grpSpPr>
+      <p:sp>
+        <p:nvSpPr>
+          <p:cNvPr id="2" name="Title 1">
+            <a:extLst>
+              <a:ext uri="{FF2B5EF4-FFF2-40B4-BE49-F238E27FC236}">
+                <a16:creationId xmlns:a16="http://schemas.microsoft.com/office/drawing/2014/main" id="{028109AD-546B-9733-4A93-B73493ECAA06}"/>
+              </a:ext>
+            </a:extLst>
+          </p:cNvPr>
+          <p:cNvSpPr>
+            <a:spLocks noGrp="1"/>
+          </p:cNvSpPr>
+          <p:nvPr>
+            <p:ph type="title"/>
+          </p:nvPr>
+        </p:nvSpPr>
+        <p:spPr/>
+        <p:txBody>
+          <a:bodyPr/>
+          <a:lstStyle/>
+          <a:p>
+            <a:r>
+              <a:rPr lang="en-AU" dirty="0"/>
+              <a:t>The Control Class</a:t>
+            </a:r>
+          </a:p>
+        </p:txBody>
+      </p:sp>
+      <p:pic>
+        <p:nvPicPr>
+          <p:cNvPr id="5122" name="Picture 2" descr="23,984 Inside Elevator Stock Photos, Pictures &amp; Royalty-Free Images - iStock">
+            <a:extLst>
+              <a:ext uri="{FF2B5EF4-FFF2-40B4-BE49-F238E27FC236}">
+                <a16:creationId xmlns:a16="http://schemas.microsoft.com/office/drawing/2014/main" id="{EFA45AFA-DC47-E7AE-AB11-067B4F07E301}"/>
+              </a:ext>
+            </a:extLst>
+          </p:cNvPr>
+          <p:cNvPicPr>
+            <a:picLocks noGrp="1" noChangeAspect="1" noChangeArrowheads="1"/>
+          </p:cNvPicPr>
+          <p:nvPr>
+            <p:ph idx="1"/>
+          </p:nvPr>
+        </p:nvPicPr>
+        <p:blipFill>
+          <a:blip r:embed="rId2">
+            <a:extLst>
+              <a:ext uri="{28A0092B-C50C-407E-A947-70E740481C1C}">
+                <a14:useLocalDpi xmlns:a14="http://schemas.microsoft.com/office/drawing/2010/main" val="0"/>
+              </a:ext>
+            </a:extLst>
+          </a:blip>
+          <a:srcRect/>
+          <a:stretch>
+            <a:fillRect/>
+          </a:stretch>
+        </p:blipFill>
+        <p:spPr bwMode="auto">
+          <a:xfrm>
+            <a:off x="6503437" y="0"/>
+            <a:ext cx="5688563" cy="6858000"/>
+          </a:xfrm>
+          <a:prstGeom prst="rect">
+            <a:avLst/>
+          </a:prstGeom>
+          <a:noFill/>
+          <a:extLst>
+            <a:ext uri="{909E8E84-426E-40DD-AFC4-6F175D3DCCD1}">
+              <a14:hiddenFill xmlns:a14="http://schemas.microsoft.com/office/drawing/2010/main">
+                <a:solidFill>
+                  <a:srgbClr val="FFFFFF"/>
+                </a:solidFill>
+              </a14:hiddenFill>
+            </a:ext>
+          </a:extLst>
+        </p:spPr>
+      </p:pic>
+    </p:spTree>
+    <p:extLst>
+      <p:ext uri="{BB962C8B-B14F-4D97-AF65-F5344CB8AC3E}">
+        <p14:creationId xmlns:p14="http://schemas.microsoft.com/office/powerpoint/2010/main" val="749992658"/>
       </p:ext>
     </p:extLst>
   </p:cSld>

--- a/Presentation1.pptx
+++ b/Presentation1.pptx
@@ -4904,7 +4904,10 @@
           <a:bodyPr/>
           <a:lstStyle/>
           <a:p>
-            <a:endParaRPr lang="en-AU"/>
+            <a:r>
+              <a:rPr lang="en-AU" dirty="0"/>
+              <a:t>Lift </a:t>
+            </a:r>
           </a:p>
         </p:txBody>
       </p:sp>
@@ -4929,10 +4932,60 @@
           <a:bodyPr/>
           <a:lstStyle/>
           <a:p>
-            <a:endParaRPr lang="en-AU"/>
-          </a:p>
-        </p:txBody>
-      </p:sp>
+            <a:r>
+              <a:rPr lang="en-AU" dirty="0"/>
+              <a:t>The idea behind the lift section in the diagram was to control the movement of the lift to accurately move between floors and to keep track of where it currently is so it will know how much it needs to move by to get to the next floor </a:t>
+            </a:r>
+          </a:p>
+        </p:txBody>
+      </p:sp>
+      <p:pic>
+        <p:nvPicPr>
+          <p:cNvPr id="1026" name="Picture 2" descr="Robot chicken Emperor Palpatine on the escalator - YouTube">
+            <a:extLst>
+              <a:ext uri="{FF2B5EF4-FFF2-40B4-BE49-F238E27FC236}">
+                <a16:creationId xmlns:a16="http://schemas.microsoft.com/office/drawing/2014/main" id="{07146891-BDDB-370F-F77A-A681C26B94ED}"/>
+              </a:ext>
+            </a:extLst>
+          </p:cNvPr>
+          <p:cNvPicPr>
+            <a:picLocks noChangeAspect="1" noChangeArrowheads="1"/>
+          </p:cNvPicPr>
+          <p:nvPr/>
+        </p:nvPicPr>
+        <p:blipFill>
+          <a:blip r:embed="rId2">
+            <a:extLst>
+              <a:ext uri="{28A0092B-C50C-407E-A947-70E740481C1C}">
+                <a14:useLocalDpi xmlns:a14="http://schemas.microsoft.com/office/drawing/2010/main" val="0"/>
+              </a:ext>
+            </a:extLst>
+          </a:blip>
+          <a:srcRect/>
+          <a:stretch>
+            <a:fillRect/>
+          </a:stretch>
+        </p:blipFill>
+        <p:spPr bwMode="auto">
+          <a:xfrm>
+            <a:off x="6386945" y="3202478"/>
+            <a:ext cx="4572000" cy="3429000"/>
+          </a:xfrm>
+          <a:prstGeom prst="rect">
+            <a:avLst/>
+          </a:prstGeom>
+          <a:noFill/>
+          <a:extLst>
+            <a:ext uri="{909E8E84-426E-40DD-AFC4-6F175D3DCCD1}">
+              <a14:hiddenFill xmlns:a14="http://schemas.microsoft.com/office/drawing/2010/main">
+                <a:solidFill>
+                  <a:srgbClr val="FFFFFF"/>
+                </a:solidFill>
+              </a14:hiddenFill>
+            </a:ext>
+          </a:extLst>
+        </p:spPr>
+      </p:pic>
     </p:spTree>
     <p:extLst>
       <p:ext uri="{BB962C8B-B14F-4D97-AF65-F5344CB8AC3E}">
@@ -4986,13 +5039,8 @@
           <a:p>
             <a:r>
               <a:rPr lang="en-AU" dirty="0"/>
-              <a:t>The </a:t>
-            </a:r>
-            <a:r>
-              <a:rPr lang="en-AU"/>
-              <a:t>safety features</a:t>
-            </a:r>
-            <a:endParaRPr lang="en-AU" dirty="0"/>
+              <a:t>The safety features</a:t>
+            </a:r>
           </a:p>
         </p:txBody>
       </p:sp>

--- a/Presentation1.pptx
+++ b/Presentation1.pptx
@@ -4962,6 +4962,90 @@
           </a:extLst>
         </p:spPr>
       </p:pic>
+      <p:sp>
+        <p:nvSpPr>
+          <p:cNvPr id="4" name="TextBox 3">
+            <a:extLst>
+              <a:ext uri="{FF2B5EF4-FFF2-40B4-BE49-F238E27FC236}">
+                <a16:creationId xmlns:a16="http://schemas.microsoft.com/office/drawing/2014/main" id="{B9298E39-8CEE-E552-4D0C-975CF52FB36F}"/>
+              </a:ext>
+            </a:extLst>
+          </p:cNvPr>
+          <p:cNvSpPr txBox="1"/>
+          <p:nvPr/>
+        </p:nvSpPr>
+        <p:spPr>
+          <a:xfrm>
+            <a:off x="332509" y="2219498"/>
+            <a:ext cx="4422371" cy="4801314"/>
+          </a:xfrm>
+          <a:prstGeom prst="rect">
+            <a:avLst/>
+          </a:prstGeom>
+          <a:noFill/>
+        </p:spPr>
+        <p:txBody>
+          <a:bodyPr wrap="square" rtlCol="0">
+            <a:spAutoFit/>
+          </a:bodyPr>
+          <a:lstStyle/>
+          <a:p>
+            <a:r>
+              <a:rPr lang="en-AU" dirty="0"/>
+              <a:t>Variables:</a:t>
+            </a:r>
+          </a:p>
+          <a:p>
+            <a:r>
+              <a:rPr lang="en-AU" dirty="0"/>
+              <a:t>-A move variable that controls the movement of the elevator.</a:t>
+            </a:r>
+          </a:p>
+          <a:p>
+            <a:r>
+              <a:rPr lang="en-AU" dirty="0"/>
+              <a:t>-A door variable that is either true for open or false for closed.</a:t>
+            </a:r>
+          </a:p>
+          <a:p>
+            <a:r>
+              <a:rPr lang="en-AU" dirty="0"/>
+              <a:t>-A floor variable that tells the user the floor there going too.</a:t>
+            </a:r>
+          </a:p>
+          <a:p>
+            <a:r>
+              <a:rPr lang="en-AU" dirty="0"/>
+              <a:t>-A position variable that shows the position of the elevator/where they currently are.</a:t>
+            </a:r>
+          </a:p>
+          <a:p>
+            <a:r>
+              <a:rPr lang="en-AU" dirty="0"/>
+              <a:t>-Lift is the constructor.</a:t>
+            </a:r>
+          </a:p>
+          <a:p>
+            <a:r>
+              <a:rPr lang="en-AU"/>
+              <a:t>-The </a:t>
+            </a:r>
+            <a:r>
+              <a:rPr lang="en-AU" dirty="0"/>
+              <a:t>Move() method calculates the movement and the Door() method controls the doors.</a:t>
+            </a:r>
+          </a:p>
+          <a:p>
+            <a:endParaRPr lang="en-AU" dirty="0"/>
+          </a:p>
+          <a:p>
+            <a:endParaRPr lang="en-AU" dirty="0"/>
+          </a:p>
+          <a:p>
+            <a:endParaRPr lang="en-AU" dirty="0"/>
+          </a:p>
+        </p:txBody>
+      </p:sp>
     </p:spTree>
     <p:extLst>
       <p:ext uri="{BB962C8B-B14F-4D97-AF65-F5344CB8AC3E}">

--- a/Presentation1.pptx
+++ b/Presentation1.pptx
@@ -5153,6 +5153,67 @@
           </a:extLst>
         </p:spPr>
       </p:pic>
+      <p:sp>
+        <p:nvSpPr>
+          <p:cNvPr id="3" name="TextBox 2">
+            <a:extLst>
+              <a:ext uri="{FF2B5EF4-FFF2-40B4-BE49-F238E27FC236}">
+                <a16:creationId xmlns:a16="http://schemas.microsoft.com/office/drawing/2014/main" id="{3D6BF0F8-3693-0C3F-25E5-48A385568778}"/>
+              </a:ext>
+            </a:extLst>
+          </p:cNvPr>
+          <p:cNvSpPr txBox="1"/>
+          <p:nvPr/>
+        </p:nvSpPr>
+        <p:spPr>
+          <a:xfrm>
+            <a:off x="625642" y="1909011"/>
+            <a:ext cx="4636169" cy="3970318"/>
+          </a:xfrm>
+          <a:prstGeom prst="rect">
+            <a:avLst/>
+          </a:prstGeom>
+          <a:noFill/>
+        </p:spPr>
+        <p:txBody>
+          <a:bodyPr wrap="square" rtlCol="0">
+            <a:spAutoFit/>
+          </a:bodyPr>
+          <a:lstStyle/>
+          <a:p>
+            <a:r>
+              <a:rPr lang="en-NZ" dirty="0"/>
+              <a:t>The safety features involved in making a lift operate safely are extremely important. When looking at the parts involved in it we had taken the assumption that they typically will work of some sort of Boolean methods.</a:t>
+            </a:r>
+          </a:p>
+          <a:p>
+            <a:r>
+              <a:rPr lang="en-NZ" dirty="0"/>
+              <a:t>So things like the doors being open or closed will be a variable that will tell the elevator if it can move or not</a:t>
+            </a:r>
+          </a:p>
+          <a:p>
+            <a:r>
+              <a:rPr lang="en-NZ" dirty="0"/>
+              <a:t>The door sensors will keep the doors from closing on someone.</a:t>
+            </a:r>
+          </a:p>
+          <a:p>
+            <a:r>
+              <a:rPr lang="en-NZ" dirty="0"/>
+              <a:t>The interlock and restraints will also keep the elevator from moving while looked </a:t>
+            </a:r>
+            <a:r>
+              <a:rPr lang="en-NZ" dirty="0" err="1"/>
+              <a:t>inplace</a:t>
+            </a:r>
+            <a:r>
+              <a:rPr lang="en-NZ" dirty="0"/>
+              <a:t>.</a:t>
+            </a:r>
+          </a:p>
+        </p:txBody>
+      </p:sp>
     </p:spTree>
     <p:extLst>
       <p:ext uri="{BB962C8B-B14F-4D97-AF65-F5344CB8AC3E}">
@@ -5520,6 +5581,58 @@
           </a:extLst>
         </p:spPr>
       </p:pic>
+      <p:sp>
+        <p:nvSpPr>
+          <p:cNvPr id="4" name="TextBox 3">
+            <a:extLst>
+              <a:ext uri="{FF2B5EF4-FFF2-40B4-BE49-F238E27FC236}">
+                <a16:creationId xmlns:a16="http://schemas.microsoft.com/office/drawing/2014/main" id="{C08070DB-2358-D394-A462-3613F2D7FCA4}"/>
+              </a:ext>
+            </a:extLst>
+          </p:cNvPr>
+          <p:cNvSpPr txBox="1"/>
+          <p:nvPr/>
+        </p:nvSpPr>
+        <p:spPr>
+          <a:xfrm>
+            <a:off x="577516" y="1989221"/>
+            <a:ext cx="5111048" cy="3139321"/>
+          </a:xfrm>
+          <a:prstGeom prst="rect">
+            <a:avLst/>
+          </a:prstGeom>
+          <a:noFill/>
+        </p:spPr>
+        <p:txBody>
+          <a:bodyPr wrap="square" rtlCol="0">
+            <a:spAutoFit/>
+          </a:bodyPr>
+          <a:lstStyle/>
+          <a:p>
+            <a:r>
+              <a:rPr lang="en-NZ" dirty="0"/>
+              <a:t>The controller class will keep track of the current position and floor of the elevator with position of the elevator would be measured with a float due to the fact that it may be important to have a more precise value of its position. </a:t>
+            </a:r>
+          </a:p>
+          <a:p>
+            <a:r>
+              <a:rPr lang="en-NZ" dirty="0"/>
+              <a:t>As well as an int value of the floor currently on.</a:t>
+            </a:r>
+          </a:p>
+          <a:p>
+            <a:r>
+              <a:rPr lang="en-NZ" dirty="0"/>
+              <a:t>The controller will have a method which deals with the movement of the elevator in particular checking if the elevator is safe to move based off of the safety </a:t>
+            </a:r>
+            <a:r>
+              <a:rPr lang="en-NZ" dirty="0" err="1"/>
+              <a:t>precausions</a:t>
+            </a:r>
+            <a:endParaRPr lang="en-NZ" dirty="0"/>
+          </a:p>
+        </p:txBody>
+      </p:sp>
     </p:spTree>
     <p:extLst>
       <p:ext uri="{BB962C8B-B14F-4D97-AF65-F5344CB8AC3E}">

--- a/Presentation1.pptx
+++ b/Presentation1.pptx
@@ -5288,12 +5288,32 @@
             <p:ph idx="1"/>
           </p:nvPr>
         </p:nvSpPr>
-        <p:spPr/>
+        <p:spPr>
+          <a:xfrm>
+            <a:off x="989400" y="1685925"/>
+            <a:ext cx="5419713" cy="4040191"/>
+          </a:xfrm>
+        </p:spPr>
         <p:txBody>
           <a:bodyPr/>
           <a:lstStyle/>
           <a:p>
-            <a:endParaRPr lang="en-AU"/>
+            <a:r>
+              <a:rPr lang="en-AU" dirty="0"/>
+              <a:t>The extras feature class will add music, air conditioning and lighting. The class will also power everything off if the elevator is not running.</a:t>
+            </a:r>
+          </a:p>
+          <a:p>
+            <a:r>
+              <a:rPr lang="en-AU" dirty="0"/>
+              <a:t>The variables are lights, music, power and conditioning. All bools besides music. </a:t>
+            </a:r>
+          </a:p>
+          <a:p>
+            <a:endParaRPr lang="en-AU" dirty="0"/>
+          </a:p>
+          <a:p>
+            <a:endParaRPr lang="en-AU" dirty="0"/>
           </a:p>
         </p:txBody>
       </p:sp>

--- a/Presentation1.pptx
+++ b/Presentation1.pptx
@@ -5438,12 +5438,31 @@
             <p:ph idx="1"/>
           </p:nvPr>
         </p:nvSpPr>
-        <p:spPr/>
+        <p:spPr>
+          <a:xfrm>
+            <a:off x="615142" y="1685925"/>
+            <a:ext cx="5070763" cy="4040191"/>
+          </a:xfrm>
+        </p:spPr>
         <p:txBody>
           <a:bodyPr/>
           <a:lstStyle/>
           <a:p>
-            <a:endParaRPr lang="en-AU" dirty="0"/>
+            <a:pPr marL="0" indent="0">
+              <a:buNone/>
+            </a:pPr>
+            <a:r>
+              <a:rPr lang="en-AU" dirty="0"/>
+              <a:t> The control panel class is the control panel you find inside and outside of the elevator and its job is too call the elevator and to open and close the doors along with controlling which floor the elevator will </a:t>
+            </a:r>
+            <a:r>
+              <a:rPr lang="en-AU" dirty="0" err="1"/>
+              <a:t>goto</a:t>
+            </a:r>
+            <a:r>
+              <a:rPr lang="en-AU" dirty="0"/>
+              <a:t> and this will be done with it working in conjunction with the move method.</a:t>
+            </a:r>
           </a:p>
         </p:txBody>
       </p:sp>

--- a/Presentation1.pptx
+++ b/Presentation1.pptx
@@ -12,6 +12,7 @@
     <p:sldId id="260" r:id="rId6"/>
     <p:sldId id="261" r:id="rId7"/>
     <p:sldId id="262" r:id="rId8"/>
+    <p:sldId id="263" r:id="rId9"/>
   </p:sldIdLst>
   <p:sldSz cx="12192000" cy="6858000"/>
   <p:notesSz cx="6858000" cy="9144000"/>
@@ -274,7 +275,7 @@
           <a:p>
             <a:fld id="{4EC743F4-8769-40B4-85DF-6CB8DE9F66AA}" type="datetimeFigureOut">
               <a:rPr lang="en-US" smtClean="0"/>
-              <a:t>8/17/2022</a:t>
+              <a:t>8/23/2022</a:t>
             </a:fld>
             <a:endParaRPr lang="en-US"/>
           </a:p>
@@ -817,7 +818,7 @@
           <a:p>
             <a:fld id="{4EC743F4-8769-40B4-85DF-6CB8DE9F66AA}" type="datetimeFigureOut">
               <a:rPr lang="en-US" smtClean="0"/>
-              <a:t>8/17/2022</a:t>
+              <a:t>8/23/2022</a:t>
             </a:fld>
             <a:endParaRPr lang="en-US"/>
           </a:p>
@@ -1025,7 +1026,7 @@
           <a:p>
             <a:fld id="{4EC743F4-8769-40B4-85DF-6CB8DE9F66AA}" type="datetimeFigureOut">
               <a:rPr lang="en-US" smtClean="0"/>
-              <a:t>8/17/2022</a:t>
+              <a:t>8/23/2022</a:t>
             </a:fld>
             <a:endParaRPr lang="en-US"/>
           </a:p>
@@ -1224,7 +1225,7 @@
           <a:p>
             <a:fld id="{4EC743F4-8769-40B4-85DF-6CB8DE9F66AA}" type="datetimeFigureOut">
               <a:rPr lang="en-US" smtClean="0"/>
-              <a:t>8/17/2022</a:t>
+              <a:t>8/23/2022</a:t>
             </a:fld>
             <a:endParaRPr lang="en-US"/>
           </a:p>
@@ -1507,7 +1508,7 @@
           <a:p>
             <a:fld id="{4EC743F4-8769-40B4-85DF-6CB8DE9F66AA}" type="datetimeFigureOut">
               <a:rPr lang="en-US" smtClean="0"/>
-              <a:t>8/17/2022</a:t>
+              <a:t>8/23/2022</a:t>
             </a:fld>
             <a:endParaRPr lang="en-US" dirty="0"/>
           </a:p>
@@ -2458,7 +2459,7 @@
           <a:p>
             <a:fld id="{4EC743F4-8769-40B4-85DF-6CB8DE9F66AA}" type="datetimeFigureOut">
               <a:rPr lang="en-US" smtClean="0"/>
-              <a:t>8/17/2022</a:t>
+              <a:t>8/23/2022</a:t>
             </a:fld>
             <a:endParaRPr lang="en-US"/>
           </a:p>
@@ -2877,7 +2878,7 @@
           <a:p>
             <a:fld id="{4EC743F4-8769-40B4-85DF-6CB8DE9F66AA}" type="datetimeFigureOut">
               <a:rPr lang="en-US" smtClean="0"/>
-              <a:t>8/17/2022</a:t>
+              <a:t>8/23/2022</a:t>
             </a:fld>
             <a:endParaRPr lang="en-US"/>
           </a:p>
@@ -3018,7 +3019,7 @@
           <a:p>
             <a:fld id="{4EC743F4-8769-40B4-85DF-6CB8DE9F66AA}" type="datetimeFigureOut">
               <a:rPr lang="en-US" smtClean="0"/>
-              <a:t>8/17/2022</a:t>
+              <a:t>8/23/2022</a:t>
             </a:fld>
             <a:endParaRPr lang="en-US"/>
           </a:p>
@@ -3131,7 +3132,7 @@
           <a:p>
             <a:fld id="{4EC743F4-8769-40B4-85DF-6CB8DE9F66AA}" type="datetimeFigureOut">
               <a:rPr lang="en-US" smtClean="0"/>
-              <a:t>8/17/2022</a:t>
+              <a:t>8/23/2022</a:t>
             </a:fld>
             <a:endParaRPr lang="en-US"/>
           </a:p>
@@ -3448,7 +3449,7 @@
           <a:p>
             <a:fld id="{4EC743F4-8769-40B4-85DF-6CB8DE9F66AA}" type="datetimeFigureOut">
               <a:rPr lang="en-US" smtClean="0"/>
-              <a:t>8/17/2022</a:t>
+              <a:t>8/23/2022</a:t>
             </a:fld>
             <a:endParaRPr lang="en-US"/>
           </a:p>
@@ -3793,7 +3794,7 @@
           <a:p>
             <a:fld id="{4EC743F4-8769-40B4-85DF-6CB8DE9F66AA}" type="datetimeFigureOut">
               <a:rPr lang="en-US" smtClean="0"/>
-              <a:t>8/17/2022</a:t>
+              <a:t>8/23/2022</a:t>
             </a:fld>
             <a:endParaRPr lang="en-US"/>
           </a:p>
@@ -4088,7 +4089,7 @@
             <a:fld id="{4EC743F4-8769-40B4-85DF-6CB8DE9F66AA}" type="datetimeFigureOut">
               <a:rPr lang="en-US" smtClean="0"/>
               <a:pPr/>
-              <a:t>8/17/2022</a:t>
+              <a:t>8/23/2022</a:t>
             </a:fld>
             <a:endParaRPr lang="en-US" dirty="0"/>
           </a:p>
@@ -5685,6 +5686,66 @@
 </p:sld>
 </file>
 
+<file path=ppt/slides/slide8.xml><?xml version="1.0" encoding="utf-8"?>
+<p:sld xmlns:a="http://schemas.openxmlformats.org/drawingml/2006/main" xmlns:r="http://schemas.openxmlformats.org/officeDocument/2006/relationships" xmlns:p="http://schemas.openxmlformats.org/presentationml/2006/main">
+  <p:cSld>
+    <p:spTree>
+      <p:nvGrpSpPr>
+        <p:cNvPr id="1" name=""/>
+        <p:cNvGrpSpPr/>
+        <p:nvPr/>
+      </p:nvGrpSpPr>
+      <p:grpSpPr>
+        <a:xfrm>
+          <a:off x="0" y="0"/>
+          <a:ext cx="0" cy="0"/>
+          <a:chOff x="0" y="0"/>
+          <a:chExt cx="0" cy="0"/>
+        </a:xfrm>
+      </p:grpSpPr>
+      <p:pic>
+        <p:nvPicPr>
+          <p:cNvPr id="5" name="Picture 4">
+            <a:extLst>
+              <a:ext uri="{FF2B5EF4-FFF2-40B4-BE49-F238E27FC236}">
+                <a16:creationId xmlns:a16="http://schemas.microsoft.com/office/drawing/2014/main" id="{9E06D666-4A3D-B2C7-8B7B-8AC450718997}"/>
+              </a:ext>
+            </a:extLst>
+          </p:cNvPr>
+          <p:cNvPicPr>
+            <a:picLocks noChangeAspect="1"/>
+          </p:cNvPicPr>
+          <p:nvPr/>
+        </p:nvPicPr>
+        <p:blipFill>
+          <a:blip r:embed="rId2"/>
+          <a:stretch>
+            <a:fillRect/>
+          </a:stretch>
+        </p:blipFill>
+        <p:spPr>
+          <a:xfrm>
+            <a:off x="1" y="0"/>
+            <a:ext cx="6096000" cy="3621789"/>
+          </a:xfrm>
+          <a:prstGeom prst="rect">
+            <a:avLst/>
+          </a:prstGeom>
+        </p:spPr>
+      </p:pic>
+    </p:spTree>
+    <p:extLst>
+      <p:ext uri="{BB962C8B-B14F-4D97-AF65-F5344CB8AC3E}">
+        <p14:creationId xmlns:p14="http://schemas.microsoft.com/office/powerpoint/2010/main" val="1313968250"/>
+      </p:ext>
+    </p:extLst>
+  </p:cSld>
+  <p:clrMapOvr>
+    <a:masterClrMapping/>
+  </p:clrMapOvr>
+</p:sld>
+</file>
+
 <file path=ppt/theme/theme1.xml><?xml version="1.0" encoding="utf-8"?>
 <a:theme xmlns:a="http://schemas.openxmlformats.org/drawingml/2006/main" name="FrostyVTI">
   <a:themeElements>

--- a/Presentation1.pptx
+++ b/Presentation1.pptx
@@ -5733,6 +5733,36 @@
           </a:prstGeom>
         </p:spPr>
       </p:pic>
+      <p:pic>
+        <p:nvPicPr>
+          <p:cNvPr id="3" name="Picture 2">
+            <a:extLst>
+              <a:ext uri="{FF2B5EF4-FFF2-40B4-BE49-F238E27FC236}">
+                <a16:creationId xmlns:a16="http://schemas.microsoft.com/office/drawing/2014/main" id="{9CD2306D-DF8E-E4F9-8E12-3CD6FA0C5DEB}"/>
+              </a:ext>
+            </a:extLst>
+          </p:cNvPr>
+          <p:cNvPicPr>
+            <a:picLocks noChangeAspect="1"/>
+          </p:cNvPicPr>
+          <p:nvPr/>
+        </p:nvPicPr>
+        <p:blipFill>
+          <a:blip r:embed="rId3"/>
+          <a:stretch>
+            <a:fillRect/>
+          </a:stretch>
+        </p:blipFill>
+        <p:spPr>
+          <a:xfrm>
+            <a:off x="6095999" y="0"/>
+            <a:ext cx="6095999" cy="4233911"/>
+          </a:xfrm>
+          <a:prstGeom prst="rect">
+            <a:avLst/>
+          </a:prstGeom>
+        </p:spPr>
+      </p:pic>
     </p:spTree>
     <p:extLst>
       <p:ext uri="{BB962C8B-B14F-4D97-AF65-F5344CB8AC3E}">

--- a/Presentation1.pptx
+++ b/Presentation1.pptx
@@ -5747,16 +5747,50 @@
           </p:cNvPicPr>
           <p:nvPr/>
         </p:nvPicPr>
-        <p:blipFill>
+        <p:blipFill rotWithShape="1">
           <a:blip r:embed="rId3"/>
-          <a:stretch>
-            <a:fillRect/>
-          </a:stretch>
+          <a:srcRect r="1102" b="5867"/>
+          <a:stretch/>
         </p:blipFill>
         <p:spPr>
           <a:xfrm>
-            <a:off x="6095999" y="0"/>
-            <a:ext cx="6095999" cy="4233911"/>
+            <a:off x="6096000" y="0"/>
+            <a:ext cx="6095999" cy="3525625"/>
+          </a:xfrm>
+          <a:prstGeom prst="rect">
+            <a:avLst/>
+          </a:prstGeom>
+        </p:spPr>
+      </p:pic>
+      <p:pic>
+        <p:nvPicPr>
+          <p:cNvPr id="4" name="Picture 3" descr="A picture containing diagram&#10;&#10;Description automatically generated">
+            <a:extLst>
+              <a:ext uri="{FF2B5EF4-FFF2-40B4-BE49-F238E27FC236}">
+                <a16:creationId xmlns:a16="http://schemas.microsoft.com/office/drawing/2014/main" id="{F858E134-D660-5AA5-26B5-15343998EDDF}"/>
+              </a:ext>
+            </a:extLst>
+          </p:cNvPr>
+          <p:cNvPicPr>
+            <a:picLocks noChangeAspect="1"/>
+          </p:cNvPicPr>
+          <p:nvPr/>
+        </p:nvPicPr>
+        <p:blipFill rotWithShape="1">
+          <a:blip r:embed="rId4">
+            <a:extLst>
+              <a:ext uri="{28A0092B-C50C-407E-A947-70E740481C1C}">
+                <a14:useLocalDpi xmlns:a14="http://schemas.microsoft.com/office/drawing/2010/main" val="0"/>
+              </a:ext>
+            </a:extLst>
+          </a:blip>
+          <a:srcRect l="40017" t="589" r="5637" b="8097"/>
+          <a:stretch/>
+        </p:blipFill>
+        <p:spPr>
+          <a:xfrm>
+            <a:off x="0" y="3525625"/>
+            <a:ext cx="6095998" cy="3332375"/>
           </a:xfrm>
           <a:prstGeom prst="rect">
             <a:avLst/>
